--- a/docs/Design.pptx
+++ b/docs/Design.pptx
@@ -3875,7 +3875,20 @@
                 <a:latin typeface="Arial" panose="020B0604020202020204" pitchFamily="34" charset="0"/>
                 <a:cs typeface="Arial" panose="020B0604020202020204" pitchFamily="34" charset="0"/>
               </a:rPr>
-              <a:t>Operational Reporting</a:t>
+              <a:t>Operational Applications</a:t>
+            </a:r>
+          </a:p>
+          <a:p>
+            <a:pPr algn="ctr"/>
+            <a:r>
+              <a:rPr lang="en-US" sz="1200" dirty="0">
+                <a:solidFill>
+                  <a:schemeClr val="bg1"/>
+                </a:solidFill>
+                <a:latin typeface="Arial" panose="020B0604020202020204" pitchFamily="34" charset="0"/>
+                <a:cs typeface="Arial" panose="020B0604020202020204" pitchFamily="34" charset="0"/>
+              </a:rPr>
+              <a:t>(Low Latency)</a:t>
             </a:r>
           </a:p>
         </p:txBody>
@@ -3895,7 +3908,7 @@
         <p:spPr>
           <a:xfrm>
             <a:off x="933141" y="950618"/>
-            <a:ext cx="10103826" cy="3513098"/>
+            <a:ext cx="10103826" cy="3452940"/>
           </a:xfrm>
           <a:prstGeom prst="rect">
             <a:avLst/>
